--- a/files/State of Science Index.pptx
+++ b/files/State of Science Index.pptx
@@ -3465,7 +3465,7 @@
         </p:nvSpPr>
         <p:spPr>
           <a:xfrm>
-            <a:off x="585924" y="2649391"/>
+            <a:off x="585924" y="2518761"/>
             <a:ext cx="10979056" cy="646331"/>
           </a:xfrm>
           <a:prstGeom prst="rect">
@@ -3716,21 +3716,13 @@
               <a:defRPr/>
             </a:pPr>
             <a:r>
-              <a:rPr kumimoji="0" lang="en-US" sz="1400" b="0" i="0" u="none" strike="noStrike" kern="1200" cap="none" spc="0" normalizeH="0" baseline="0" noProof="0" dirty="0">
-                <a:ln>
-                  <a:noFill/>
-                </a:ln>
+              <a:rPr lang="en-US" sz="1400" dirty="0">
                 <a:solidFill>
-                  <a:srgbClr val="3E3E3E"/>
+                  <a:srgbClr val="888888"/>
                 </a:solidFill>
-                <a:effectLst/>
-                <a:uLnTx/>
-                <a:uFillTx/>
                 <a:latin typeface="Open Sans" panose="020B0606030504020204" pitchFamily="34" charset="0"/>
-                <a:ea typeface="+mn-ea"/>
-                <a:cs typeface="+mn-cs"/>
               </a:rPr>
-              <a:t>Press release: </a:t>
+              <a:t>Public visibility: </a:t>
             </a:r>
             <a:r>
               <a:rPr kumimoji="0" lang="en-US" sz="1400" b="0" i="0" u="none" strike="noStrike" kern="1200" cap="none" spc="0" normalizeH="0" baseline="0" noProof="0" dirty="0">
